--- a/Recess_Project_Template/reports/group_presentation.pptx
+++ b/Recess_Project_Template/reports/group_presentation.pptx
@@ -122,6 +122,11 @@
       </a:defRPr>
     </a:lvl9pPr>
   </p:defaultTextStyle>
+  <p:extLst>
+    <p:ext uri="{EFAFB233-063F-42B5-8137-9DF3F51BA10A}">
+      <p15:sldGuideLst xmlns:p15="http://schemas.microsoft.com/office/powerpoint/2012/main"/>
+    </p:ext>
+  </p:extLst>
 </p:presentation>
 </file>
 
@@ -456,7 +461,7 @@
           <a:p>
             <a:fld id="{A578DCB5-A5DF-45FE-A4A6-6C8662637B04}" type="datetimeFigureOut">
               <a:rPr lang="en-UG" smtClean="0"/>
-              <a:t>10/08/2023</a:t>
+              <a:t>11/08/2023</a:t>
             </a:fld>
             <a:endParaRPr lang="en-UG"/>
           </a:p>
@@ -780,7 +785,7 @@
           <a:p>
             <a:fld id="{A578DCB5-A5DF-45FE-A4A6-6C8662637B04}" type="datetimeFigureOut">
               <a:rPr lang="en-UG" smtClean="0"/>
-              <a:t>10/08/2023</a:t>
+              <a:t>11/08/2023</a:t>
             </a:fld>
             <a:endParaRPr lang="en-UG"/>
           </a:p>
@@ -1028,7 +1033,7 @@
           <a:p>
             <a:fld id="{A578DCB5-A5DF-45FE-A4A6-6C8662637B04}" type="datetimeFigureOut">
               <a:rPr lang="en-UG" smtClean="0"/>
-              <a:t>10/08/2023</a:t>
+              <a:t>11/08/2023</a:t>
             </a:fld>
             <a:endParaRPr lang="en-UG"/>
           </a:p>
@@ -1367,7 +1372,7 @@
           <a:p>
             <a:fld id="{A578DCB5-A5DF-45FE-A4A6-6C8662637B04}" type="datetimeFigureOut">
               <a:rPr lang="en-UG" smtClean="0"/>
-              <a:t>10/08/2023</a:t>
+              <a:t>11/08/2023</a:t>
             </a:fld>
             <a:endParaRPr lang="en-UG"/>
           </a:p>
@@ -1714,7 +1719,7 @@
           <a:p>
             <a:fld id="{A578DCB5-A5DF-45FE-A4A6-6C8662637B04}" type="datetimeFigureOut">
               <a:rPr lang="en-UG" smtClean="0"/>
-              <a:t>10/08/2023</a:t>
+              <a:t>11/08/2023</a:t>
             </a:fld>
             <a:endParaRPr lang="en-UG"/>
           </a:p>
@@ -2088,7 +2093,7 @@
           <a:p>
             <a:fld id="{A578DCB5-A5DF-45FE-A4A6-6C8662637B04}" type="datetimeFigureOut">
               <a:rPr lang="en-UG" smtClean="0"/>
-              <a:t>10/08/2023</a:t>
+              <a:t>11/08/2023</a:t>
             </a:fld>
             <a:endParaRPr lang="en-UG"/>
           </a:p>
@@ -2558,7 +2563,7 @@
           <a:p>
             <a:fld id="{A578DCB5-A5DF-45FE-A4A6-6C8662637B04}" type="datetimeFigureOut">
               <a:rPr lang="en-UG" smtClean="0"/>
-              <a:t>10/08/2023</a:t>
+              <a:t>11/08/2023</a:t>
             </a:fld>
             <a:endParaRPr lang="en-UG"/>
           </a:p>
@@ -2763,7 +2768,7 @@
           <a:p>
             <a:fld id="{A578DCB5-A5DF-45FE-A4A6-6C8662637B04}" type="datetimeFigureOut">
               <a:rPr lang="en-UG" smtClean="0"/>
-              <a:t>10/08/2023</a:t>
+              <a:t>11/08/2023</a:t>
             </a:fld>
             <a:endParaRPr lang="en-UG"/>
           </a:p>
@@ -2974,7 +2979,7 @@
           <a:p>
             <a:fld id="{A578DCB5-A5DF-45FE-A4A6-6C8662637B04}" type="datetimeFigureOut">
               <a:rPr lang="en-UG" smtClean="0"/>
-              <a:t>10/08/2023</a:t>
+              <a:t>11/08/2023</a:t>
             </a:fld>
             <a:endParaRPr lang="en-UG"/>
           </a:p>
@@ -3206,7 +3211,7 @@
           <a:p>
             <a:fld id="{A578DCB5-A5DF-45FE-A4A6-6C8662637B04}" type="datetimeFigureOut">
               <a:rPr lang="en-UG" smtClean="0"/>
-              <a:t>10/08/2023</a:t>
+              <a:t>11/08/2023</a:t>
             </a:fld>
             <a:endParaRPr lang="en-UG"/>
           </a:p>
@@ -3454,7 +3459,7 @@
           <a:p>
             <a:fld id="{A578DCB5-A5DF-45FE-A4A6-6C8662637B04}" type="datetimeFigureOut">
               <a:rPr lang="en-UG" smtClean="0"/>
-              <a:t>10/08/2023</a:t>
+              <a:t>11/08/2023</a:t>
             </a:fld>
             <a:endParaRPr lang="en-UG"/>
           </a:p>
@@ -3752,7 +3757,7 @@
           <a:p>
             <a:fld id="{A578DCB5-A5DF-45FE-A4A6-6C8662637B04}" type="datetimeFigureOut">
               <a:rPr lang="en-UG" smtClean="0"/>
-              <a:t>10/08/2023</a:t>
+              <a:t>11/08/2023</a:t>
             </a:fld>
             <a:endParaRPr lang="en-UG"/>
           </a:p>
@@ -4146,7 +4151,7 @@
           <a:p>
             <a:fld id="{A578DCB5-A5DF-45FE-A4A6-6C8662637B04}" type="datetimeFigureOut">
               <a:rPr lang="en-UG" smtClean="0"/>
-              <a:t>10/08/2023</a:t>
+              <a:t>11/08/2023</a:t>
             </a:fld>
             <a:endParaRPr lang="en-UG"/>
           </a:p>
@@ -4295,7 +4300,7 @@
           <a:p>
             <a:fld id="{A578DCB5-A5DF-45FE-A4A6-6C8662637B04}" type="datetimeFigureOut">
               <a:rPr lang="en-UG" smtClean="0"/>
-              <a:t>10/08/2023</a:t>
+              <a:t>11/08/2023</a:t>
             </a:fld>
             <a:endParaRPr lang="en-UG"/>
           </a:p>
@@ -4421,7 +4426,7 @@
           <a:p>
             <a:fld id="{A578DCB5-A5DF-45FE-A4A6-6C8662637B04}" type="datetimeFigureOut">
               <a:rPr lang="en-UG" smtClean="0"/>
-              <a:t>10/08/2023</a:t>
+              <a:t>11/08/2023</a:t>
             </a:fld>
             <a:endParaRPr lang="en-UG"/>
           </a:p>
@@ -4676,7 +4681,7 @@
           <a:p>
             <a:fld id="{A578DCB5-A5DF-45FE-A4A6-6C8662637B04}" type="datetimeFigureOut">
               <a:rPr lang="en-UG" smtClean="0"/>
-              <a:t>10/08/2023</a:t>
+              <a:t>11/08/2023</a:t>
             </a:fld>
             <a:endParaRPr lang="en-UG"/>
           </a:p>
@@ -4991,7 +4996,7 @@
           <a:p>
             <a:fld id="{A578DCB5-A5DF-45FE-A4A6-6C8662637B04}" type="datetimeFigureOut">
               <a:rPr lang="en-UG" smtClean="0"/>
-              <a:t>10/08/2023</a:t>
+              <a:t>11/08/2023</a:t>
             </a:fld>
             <a:endParaRPr lang="en-UG"/>
           </a:p>
@@ -5342,7 +5347,7 @@
           <a:p>
             <a:fld id="{A578DCB5-A5DF-45FE-A4A6-6C8662637B04}" type="datetimeFigureOut">
               <a:rPr lang="en-UG" smtClean="0"/>
-              <a:t>10/08/2023</a:t>
+              <a:t>11/08/2023</a:t>
             </a:fld>
             <a:endParaRPr lang="en-UG"/>
           </a:p>
@@ -7637,14 +7642,24 @@
               </a:lnSpc>
             </a:pPr>
             <a:r>
-              <a:rPr lang="en-US" sz="1500" kern="100" dirty="0">
+              <a:rPr lang="en-US" sz="1500" kern="100">
                 <a:solidFill>
                   <a:srgbClr val="000000"/>
                 </a:solidFill>
                 <a:latin typeface="Calibri" panose="020F0502020204030204" pitchFamily="34" charset="0"/>
                 <a:cs typeface="Calibri" panose="020F0502020204030204" pitchFamily="34" charset="0"/>
               </a:rPr>
-              <a:t>2016 was registered with the highest number of malaria cases. </a:t>
+              <a:t>2017 </a:t>
+            </a:r>
+            <a:r>
+              <a:rPr lang="en-US" sz="1500" kern="100" dirty="0">
+                <a:solidFill>
+                  <a:srgbClr val="000000"/>
+                </a:solidFill>
+                <a:latin typeface="Calibri" panose="020F0502020204030204" pitchFamily="34" charset="0"/>
+                <a:cs typeface="Calibri" panose="020F0502020204030204" pitchFamily="34" charset="0"/>
+              </a:rPr>
+              <a:t>was registered with the highest number of malaria cases. </a:t>
             </a:r>
           </a:p>
           <a:p>
